--- a/secure-coding/slides/delivery/10__Angular-oauth.pptx
+++ b/secure-coding/slides/delivery/10__Angular-oauth.pptx
@@ -2379,12 +2379,20 @@
         </p:nvSpPr>
         <p:spPr/>
         <p:txBody>
-          <a:bodyPr/>
-          <a:lstStyle/>
-          <a:p>
-            <a:r>
+          <a:bodyPr wrap="square">
+            <a:noAutofit/>
+          </a:bodyPr>
+          <a:lstStyle/>
+          <a:p>
+            <a:r>
+              <a:rPr sz="4200" b="1" i="0">
+                <a:latin typeface="Times New Roman"/>
+              </a:rPr>
               <a:t>Introduction to OAuth2 in JavaScript</a:t>
             </a:r>
+            <a:endParaRPr sz="4200" b="1" i="0">
+              <a:latin typeface="Times New Roman"/>
+            </a:endParaRPr>
           </a:p>
         </p:txBody>
       </p:sp>
@@ -2831,11 +2839,17 @@
           <a:lstStyle/>
           <a:p>
             <a:r>
+              <a:t> On client</a:t>
+            </a:r>
+          </a:p>
+          <a:p>
+            <a:pPr lvl="1"/>
+            <a:r>
               <a:t> Redirection endpoint</a:t>
             </a:r>
           </a:p>
           <a:p>
-            <a:pPr lvl="1"/>
+            <a:pPr lvl="2"/>
             <a:r>
               <a:t> Authorization server uses it to return responses containing authorization credentials to the client through resource owner user=agent</a:t>
             </a:r>
@@ -2934,12 +2948,13 @@
             </a:r>
           </a:p>
           <a:p>
+            <a:pPr lvl="1"/>
             <a:r>
               <a:t> Identity server</a:t>
             </a:r>
           </a:p>
           <a:p>
-            <a:pPr lvl="1"/>
+            <a:pPr lvl="2"/>
             <a:r>
               <a:t> For example: @leastprivilege and @brockallen Implement OAuth 2.0 and OpenID Connect</a:t>
             </a:r>
@@ -3055,12 +3070,20 @@
         </p:nvSpPr>
         <p:spPr/>
         <p:txBody>
-          <a:bodyPr/>
-          <a:lstStyle/>
-          <a:p>
-            <a:r>
+          <a:bodyPr wrap="square">
+            <a:noAutofit/>
+          </a:bodyPr>
+          <a:lstStyle/>
+          <a:p>
+            <a:r>
+              <a:rPr sz="4200" b="1" i="0">
+                <a:latin typeface="Times New Roman"/>
+              </a:rPr>
               <a:t>Authorizing Access To API</a:t>
             </a:r>
+            <a:endParaRPr sz="4200" b="1" i="0">
+              <a:latin typeface="Times New Roman"/>
+            </a:endParaRPr>
           </a:p>
         </p:txBody>
       </p:sp>
@@ -3399,7 +3422,11 @@
           </a:p>
           <a:p>
             <a:r>
-              <a:t> Answer: Yes but * It is not safe *</a:t>
+              <a:t> Answer: Yes but</a:t>
+            </a:r>
+            <a:r>
+              <a:rPr b="1"/>
+              <a:t> It is not safe</a:t>
             </a:r>
           </a:p>
           <a:p>
@@ -3621,12 +3648,20 @@
         </p:nvSpPr>
         <p:spPr/>
         <p:txBody>
-          <a:bodyPr/>
-          <a:lstStyle/>
-          <a:p>
-            <a:r>
+          <a:bodyPr wrap="square">
+            <a:noAutofit/>
+          </a:bodyPr>
+          <a:lstStyle/>
+          <a:p>
+            <a:r>
+              <a:rPr sz="4200" b="1" i="0">
+                <a:latin typeface="Times New Roman"/>
+              </a:rPr>
               <a:t>Basics</a:t>
             </a:r>
+            <a:endParaRPr sz="4200" b="1" i="0">
+              <a:latin typeface="Times New Roman"/>
+            </a:endParaRPr>
           </a:p>
         </p:txBody>
       </p:sp>
@@ -4787,12 +4822,20 @@
         </p:nvSpPr>
         <p:spPr/>
         <p:txBody>
-          <a:bodyPr/>
-          <a:lstStyle/>
-          <a:p>
-            <a:r>
+          <a:bodyPr wrap="square">
+            <a:noAutofit/>
+          </a:bodyPr>
+          <a:lstStyle/>
+          <a:p>
+            <a:r>
+              <a:rPr sz="4200" b="1" i="0">
+                <a:latin typeface="Times New Roman"/>
+              </a:rPr>
               <a:t>OpenID Connect</a:t>
             </a:r>
+            <a:endParaRPr sz="4200" b="1" i="0">
+              <a:latin typeface="Times New Roman"/>
+            </a:endParaRPr>
           </a:p>
         </p:txBody>
       </p:sp>
@@ -5767,7 +5810,47 @@
         <p:txBody>
           <a:bodyPr/>
           <a:lstStyle/>
-          <a:p/>
+          <a:p>
+            <a:r>
+              <a:t> Email and phone</a:t>
+            </a:r>
+          </a:p>
+          <a:p>
+            <a:pPr lvl="1"/>
+            <a:r>
+              <a:t> email scope:</a:t>
+            </a:r>
+          </a:p>
+          <a:p>
+            <a:pPr lvl="2"/>
+            <a:r>
+              <a:t> email</a:t>
+            </a:r>
+          </a:p>
+          <a:p>
+            <a:pPr lvl="2"/>
+            <a:r>
+              <a:t> verified-email</a:t>
+            </a:r>
+          </a:p>
+          <a:p>
+            <a:pPr lvl="1"/>
+            <a:r>
+              <a:t> phone scope:</a:t>
+            </a:r>
+          </a:p>
+          <a:p>
+            <a:pPr lvl="2"/>
+            <a:r>
+              <a:t> phone-num</a:t>
+            </a:r>
+          </a:p>
+          <a:p>
+            <a:pPr lvl="2"/>
+            <a:r>
+              <a:t> verified-num</a:t>
+            </a:r>
+          </a:p>
         </p:txBody>
       </p:sp>
       <p:sp>
@@ -5799,14 +5882,6 @@
                 </a:solidFill>
               </a:rPr>
               <a:t>Copyright © 2021 by Elephant Scale, All Rights Reserved</a:t>
-            </a:r>
-            <a:r>
-              <a:t> - email scope:
-    - email
-    - verified-email
-- phone scope:
-    - phone-num
-    - verified-num</a:t>
             </a:r>
           </a:p>
         </p:txBody>
@@ -5887,12 +5962,20 @@
         </p:nvSpPr>
         <p:spPr/>
         <p:txBody>
-          <a:bodyPr/>
-          <a:lstStyle/>
-          <a:p>
-            <a:r>
+          <a:bodyPr wrap="square">
+            <a:noAutofit/>
+          </a:bodyPr>
+          <a:lstStyle/>
+          <a:p>
+            <a:r>
+              <a:rPr sz="4200" b="1" i="0">
+                <a:latin typeface="Times New Roman"/>
+              </a:rPr>
               <a:t>OpenID Connect On Clients</a:t>
             </a:r>
+            <a:endParaRPr sz="4200" b="1" i="0">
+              <a:latin typeface="Times New Roman"/>
+            </a:endParaRPr>
           </a:p>
         </p:txBody>
       </p:sp>
@@ -6112,9 +6195,9 @@
             <a:r>
               <a:t> :</a:t>
             </a:r>
-            <a:r>
-              <a:t> -</a:t>
-            </a:r>
+          </a:p>
+          <a:p>
+            <a:pPr lvl="1"/>
             <a:r>
               <a:rPr>
                 <a:latin typeface="Courier New"/>
@@ -6124,9 +6207,9 @@
             <a:r>
               <a:t> client</a:t>
             </a:r>
-            <a:r>
-              <a:t> -</a:t>
-            </a:r>
+          </a:p>
+          <a:p>
+            <a:pPr lvl="1"/>
             <a:r>
               <a:rPr>
                 <a:latin typeface="Courier New"/>
@@ -6136,13 +6219,8 @@
             <a:r>
               <a:t> token manager</a:t>
             </a:r>
-            <a:r>
-              <a:rPr>
-                <a:latin typeface="Courier New"/>
-              </a:rPr>
-              <a:t> bash https://github.com/IdentityModel/oidc-client https://github.com/IdentityModel/oidc-token-manager</a:t>
-            </a:r>
-          </a:p>
+          </a:p>
+          <a:p/>
         </p:txBody>
       </p:sp>
       <p:sp>
@@ -6178,6 +6256,30 @@
           </a:p>
         </p:txBody>
       </p:sp>
+      <p:pic>
+        <p:nvPicPr>
+          <p:cNvPr id="5" name="Picture 4" descr="1.png"/>
+          <p:cNvPicPr>
+            <a:picLocks noChangeAspect="1"/>
+          </p:cNvPicPr>
+          <p:nvPr/>
+        </p:nvPicPr>
+        <p:blipFill>
+          <a:blip r:embed="rId2"/>
+          <a:stretch>
+            <a:fillRect/>
+          </a:stretch>
+        </p:blipFill>
+        <p:spPr>
+          <a:xfrm>
+            <a:off x="0" y="2231136"/>
+            <a:ext cx="8483600" cy="787400"/>
+          </a:xfrm>
+          <a:prstGeom prst="rect">
+            <a:avLst/>
+          </a:prstGeom>
+        </p:spPr>
+      </p:pic>
     </p:spTree>
   </p:cSld>
   <p:clrMapOvr>
@@ -6380,12 +6482,20 @@
         </p:nvSpPr>
         <p:spPr/>
         <p:txBody>
-          <a:bodyPr/>
-          <a:lstStyle/>
-          <a:p>
-            <a:r>
+          <a:bodyPr wrap="square">
+            <a:noAutofit/>
+          </a:bodyPr>
+          <a:lstStyle/>
+          <a:p>
+            <a:r>
+              <a:rPr sz="4200" b="1" i="0">
+                <a:latin typeface="Times New Roman"/>
+              </a:rPr>
               <a:t>Impersonating The User</a:t>
             </a:r>
+            <a:endParaRPr sz="4200" b="1" i="0">
+              <a:latin typeface="Times New Roman"/>
+            </a:endParaRPr>
           </a:p>
         </p:txBody>
       </p:sp>
@@ -6727,12 +6837,20 @@
         </p:nvSpPr>
         <p:spPr/>
         <p:txBody>
-          <a:bodyPr/>
-          <a:lstStyle/>
-          <a:p>
-            <a:r>
+          <a:bodyPr wrap="square">
+            <a:noAutofit/>
+          </a:bodyPr>
+          <a:lstStyle/>
+          <a:p>
+            <a:r>
+              <a:rPr sz="4200" b="1" i="0">
+                <a:latin typeface="Times New Roman"/>
+              </a:rPr>
               <a:t>Credentials</a:t>
             </a:r>
+            <a:endParaRPr sz="4200" b="1" i="0">
+              <a:latin typeface="Times New Roman"/>
+            </a:endParaRPr>
           </a:p>
         </p:txBody>
       </p:sp>
